--- a/presentation/iteration_2/Presentatie SWOP.pptx
+++ b/presentation/iteration_2/Presentatie SWOP.pptx
@@ -6,10 +6,10 @@
     <p:sldMasterId id="2147483694" r:id="rId2"/>
   </p:sldMasterIdLst>
   <p:notesMasterIdLst>
-    <p:notesMasterId r:id="rId17"/>
+    <p:notesMasterId r:id="rId18"/>
   </p:notesMasterIdLst>
   <p:handoutMasterIdLst>
-    <p:handoutMasterId r:id="rId18"/>
+    <p:handoutMasterId r:id="rId19"/>
   </p:handoutMasterIdLst>
   <p:sldIdLst>
     <p:sldId id="261" r:id="rId3"/>
@@ -19,13 +19,14 @@
     <p:sldId id="278" r:id="rId7"/>
     <p:sldId id="276" r:id="rId8"/>
     <p:sldId id="270" r:id="rId9"/>
-    <p:sldId id="271" r:id="rId10"/>
-    <p:sldId id="272" r:id="rId11"/>
-    <p:sldId id="273" r:id="rId12"/>
-    <p:sldId id="274" r:id="rId13"/>
-    <p:sldId id="275" r:id="rId14"/>
-    <p:sldId id="280" r:id="rId15"/>
-    <p:sldId id="268" r:id="rId16"/>
+    <p:sldId id="281" r:id="rId10"/>
+    <p:sldId id="271" r:id="rId11"/>
+    <p:sldId id="272" r:id="rId12"/>
+    <p:sldId id="273" r:id="rId13"/>
+    <p:sldId id="274" r:id="rId14"/>
+    <p:sldId id="275" r:id="rId15"/>
+    <p:sldId id="280" r:id="rId16"/>
+    <p:sldId id="268" r:id="rId17"/>
   </p:sldIdLst>
   <p:sldSz cx="12192000" cy="6858000"/>
   <p:notesSz cx="6858000" cy="9144000"/>
@@ -135,6 +136,10 @@
 </p:presentation>
 </file>
 
+<file path=ppt/revisionInfo.xml><?xml version="1.0" encoding="utf-8"?>
+<p1510:revInfo xmlns:a="http://schemas.openxmlformats.org/drawingml/2006/main" xmlns:r="http://schemas.openxmlformats.org/officeDocument/2006/relationships" xmlns:p1510="http://schemas.microsoft.com/office/powerpoint/2015/10/main"/>
+</file>
+
 <file path=ppt/handoutMasters/handoutMaster1.xml><?xml version="1.0" encoding="utf-8"?>
 <p:handoutMaster xmlns:a="http://schemas.openxmlformats.org/drawingml/2006/main" xmlns:r="http://schemas.openxmlformats.org/officeDocument/2006/relationships" xmlns:p="http://schemas.openxmlformats.org/presentationml/2006/main">
   <p:cSld>
@@ -217,7 +222,7 @@
           <a:p>
             <a:fld id="{8F591CCF-F6FD-734B-854A-5BC033593B1E}" type="datetimeFigureOut">
               <a:rPr lang="nl-NL" smtClean="0"/>
-              <a:t>22-04-18</a:t>
+              <a:t>23-4-2018</a:t>
             </a:fld>
             <a:endParaRPr lang="nl-NL"/>
           </a:p>
@@ -382,7 +387,7 @@
           <a:p>
             <a:fld id="{23C66214-DB21-4647-B5DA-0D17CA592867}" type="datetimeFigureOut">
               <a:rPr lang="nl-NL" smtClean="0"/>
-              <a:t>22-04-18</a:t>
+              <a:t>23-4-2018</a:t>
             </a:fld>
             <a:endParaRPr lang="nl-NL"/>
           </a:p>
@@ -649,6 +654,174 @@
 </p:notesMaster>
 </file>
 
+<file path=ppt/notesSlides/notesSlide1.xml><?xml version="1.0" encoding="utf-8"?>
+<p:notes xmlns:a="http://schemas.openxmlformats.org/drawingml/2006/main" xmlns:r="http://schemas.openxmlformats.org/officeDocument/2006/relationships" xmlns:p="http://schemas.openxmlformats.org/presentationml/2006/main">
+  <p:cSld>
+    <p:spTree>
+      <p:nvGrpSpPr>
+        <p:cNvPr id="1" name=""/>
+        <p:cNvGrpSpPr/>
+        <p:nvPr/>
+      </p:nvGrpSpPr>
+      <p:grpSpPr>
+        <a:xfrm>
+          <a:off x="0" y="0"/>
+          <a:ext cx="0" cy="0"/>
+          <a:chOff x="0" y="0"/>
+          <a:chExt cx="0" cy="0"/>
+        </a:xfrm>
+      </p:grpSpPr>
+      <p:sp>
+        <p:nvSpPr>
+          <p:cNvPr id="2" name="Tijdelijke aanduiding voor dia-afbeelding 1"/>
+          <p:cNvSpPr>
+            <a:spLocks noGrp="1" noRot="1" noChangeAspect="1"/>
+          </p:cNvSpPr>
+          <p:nvPr>
+            <p:ph type="sldImg"/>
+          </p:nvPr>
+        </p:nvSpPr>
+        <p:spPr/>
+      </p:sp>
+      <p:sp>
+        <p:nvSpPr>
+          <p:cNvPr id="3" name="Tijdelijke aanduiding voor notities 2"/>
+          <p:cNvSpPr>
+            <a:spLocks noGrp="1"/>
+          </p:cNvSpPr>
+          <p:nvPr>
+            <p:ph type="body" idx="1"/>
+          </p:nvPr>
+        </p:nvSpPr>
+        <p:spPr/>
+        <p:txBody>
+          <a:bodyPr/>
+          <a:lstStyle/>
+          <a:p>
+            <a:endParaRPr lang="nl-NL" dirty="0"/>
+          </a:p>
+        </p:txBody>
+      </p:sp>
+      <p:sp>
+        <p:nvSpPr>
+          <p:cNvPr id="4" name="Tijdelijke aanduiding voor dianummer 3"/>
+          <p:cNvSpPr>
+            <a:spLocks noGrp="1"/>
+          </p:cNvSpPr>
+          <p:nvPr>
+            <p:ph type="sldNum" sz="quarter" idx="10"/>
+          </p:nvPr>
+        </p:nvSpPr>
+        <p:spPr/>
+        <p:txBody>
+          <a:bodyPr/>
+          <a:lstStyle/>
+          <a:p>
+            <a:fld id="{8954E32A-327F-AF4B-8E1F-209FBF93D26D}" type="slidenum">
+              <a:rPr lang="nl-NL" smtClean="0"/>
+              <a:t>7</a:t>
+            </a:fld>
+            <a:endParaRPr lang="nl-NL"/>
+          </a:p>
+        </p:txBody>
+      </p:sp>
+    </p:spTree>
+    <p:extLst>
+      <p:ext uri="{BB962C8B-B14F-4D97-AF65-F5344CB8AC3E}">
+        <p14:creationId xmlns:p14="http://schemas.microsoft.com/office/powerpoint/2010/main" val="3654307731"/>
+      </p:ext>
+    </p:extLst>
+  </p:cSld>
+  <p:clrMapOvr>
+    <a:masterClrMapping/>
+  </p:clrMapOvr>
+</p:notes>
+</file>
+
+<file path=ppt/notesSlides/notesSlide2.xml><?xml version="1.0" encoding="utf-8"?>
+<p:notes xmlns:a="http://schemas.openxmlformats.org/drawingml/2006/main" xmlns:r="http://schemas.openxmlformats.org/officeDocument/2006/relationships" xmlns:p="http://schemas.openxmlformats.org/presentationml/2006/main">
+  <p:cSld>
+    <p:spTree>
+      <p:nvGrpSpPr>
+        <p:cNvPr id="1" name=""/>
+        <p:cNvGrpSpPr/>
+        <p:nvPr/>
+      </p:nvGrpSpPr>
+      <p:grpSpPr>
+        <a:xfrm>
+          <a:off x="0" y="0"/>
+          <a:ext cx="0" cy="0"/>
+          <a:chOff x="0" y="0"/>
+          <a:chExt cx="0" cy="0"/>
+        </a:xfrm>
+      </p:grpSpPr>
+      <p:sp>
+        <p:nvSpPr>
+          <p:cNvPr id="2" name="Tijdelijke aanduiding voor dia-afbeelding 1"/>
+          <p:cNvSpPr>
+            <a:spLocks noGrp="1" noRot="1" noChangeAspect="1"/>
+          </p:cNvSpPr>
+          <p:nvPr>
+            <p:ph type="sldImg"/>
+          </p:nvPr>
+        </p:nvSpPr>
+        <p:spPr/>
+      </p:sp>
+      <p:sp>
+        <p:nvSpPr>
+          <p:cNvPr id="3" name="Tijdelijke aanduiding voor notities 2"/>
+          <p:cNvSpPr>
+            <a:spLocks noGrp="1"/>
+          </p:cNvSpPr>
+          <p:nvPr>
+            <p:ph type="body" idx="1"/>
+          </p:nvPr>
+        </p:nvSpPr>
+        <p:spPr/>
+        <p:txBody>
+          <a:bodyPr/>
+          <a:lstStyle/>
+          <a:p>
+            <a:endParaRPr lang="nl-NL" dirty="0"/>
+          </a:p>
+        </p:txBody>
+      </p:sp>
+      <p:sp>
+        <p:nvSpPr>
+          <p:cNvPr id="4" name="Tijdelijke aanduiding voor dianummer 3"/>
+          <p:cNvSpPr>
+            <a:spLocks noGrp="1"/>
+          </p:cNvSpPr>
+          <p:nvPr>
+            <p:ph type="sldNum" sz="quarter" idx="10"/>
+          </p:nvPr>
+        </p:nvSpPr>
+        <p:spPr/>
+        <p:txBody>
+          <a:bodyPr/>
+          <a:lstStyle/>
+          <a:p>
+            <a:fld id="{8954E32A-327F-AF4B-8E1F-209FBF93D26D}" type="slidenum">
+              <a:rPr lang="nl-NL" smtClean="0"/>
+              <a:t>8</a:t>
+            </a:fld>
+            <a:endParaRPr lang="nl-NL"/>
+          </a:p>
+        </p:txBody>
+      </p:sp>
+    </p:spTree>
+    <p:extLst>
+      <p:ext uri="{BB962C8B-B14F-4D97-AF65-F5344CB8AC3E}">
+        <p14:creationId xmlns:p14="http://schemas.microsoft.com/office/powerpoint/2010/main" val="3812220852"/>
+      </p:ext>
+    </p:extLst>
+  </p:cSld>
+  <p:clrMapOvr>
+    <a:masterClrMapping/>
+  </p:clrMapOvr>
+</p:notes>
+</file>
+
 <file path=ppt/slideLayouts/slideLayout1.xml><?xml version="1.0" encoding="utf-8"?>
 <p:sldLayout xmlns:a="http://schemas.openxmlformats.org/drawingml/2006/main" xmlns:r="http://schemas.openxmlformats.org/officeDocument/2006/relationships" xmlns:p="http://schemas.openxmlformats.org/presentationml/2006/main" preserve="1" userDrawn="1">
   <p:cSld name="Titeldia">
@@ -1371,7 +1544,7 @@
           <a:p>
             <a:fld id="{6F37CD9A-B6FF-DF49-934C-3BCCEDF2228B}" type="datetime1">
               <a:rPr lang="nl-BE" smtClean="0"/>
-              <a:t>22/04/18</a:t>
+              <a:t>23/04/2018</a:t>
             </a:fld>
             <a:endParaRPr lang="nl-NL"/>
           </a:p>
@@ -1654,7 +1827,7 @@
           <a:p>
             <a:fld id="{476EE1B1-D864-114C-AE9B-E183EB9D0746}" type="datetime1">
               <a:rPr lang="nl-BE" smtClean="0"/>
-              <a:t>22/04/18</a:t>
+              <a:t>23/04/2018</a:t>
             </a:fld>
             <a:endParaRPr lang="nl-NL"/>
           </a:p>
@@ -1984,7 +2157,7 @@
           <a:p>
             <a:fld id="{EAF33207-FFC6-C142-988C-81C64B7E9B11}" type="datetime1">
               <a:rPr lang="nl-BE" smtClean="0"/>
-              <a:t>22/04/18</a:t>
+              <a:t>23/04/2018</a:t>
             </a:fld>
             <a:endParaRPr lang="nl-NL"/>
           </a:p>
@@ -2303,7 +2476,7 @@
           <a:p>
             <a:fld id="{072EC5CD-2E9D-CA41-840A-5CEB9840D689}" type="datetime1">
               <a:rPr lang="nl-BE" smtClean="0"/>
-              <a:t>22/04/18</a:t>
+              <a:t>23/04/2018</a:t>
             </a:fld>
             <a:endParaRPr lang="nl-NL" dirty="0"/>
           </a:p>
@@ -2624,7 +2797,7 @@
           <a:p>
             <a:fld id="{FBABC43C-231D-3847-96AC-6E8439C8A3BE}" type="datetime1">
               <a:rPr lang="nl-BE" smtClean="0"/>
-              <a:t>22/04/18</a:t>
+              <a:t>23/04/2018</a:t>
             </a:fld>
             <a:endParaRPr lang="nl-NL" dirty="0"/>
           </a:p>
@@ -2766,7 +2939,7 @@
           <a:p>
             <a:fld id="{918210CD-E34F-A049-AF12-9CB9C9FEEAEB}" type="datetime1">
               <a:rPr lang="nl-BE" smtClean="0"/>
-              <a:t>22/04/18</a:t>
+              <a:t>23/04/2018</a:t>
             </a:fld>
             <a:endParaRPr lang="nl-NL"/>
           </a:p>
@@ -3250,7 +3423,7 @@
           <a:p>
             <a:fld id="{020069EB-CF88-BF41-9464-208EA60FC411}" type="datetime1">
               <a:rPr lang="nl-BE" smtClean="0"/>
-              <a:t>22/04/18</a:t>
+              <a:t>23/04/2018</a:t>
             </a:fld>
             <a:endParaRPr lang="nl-NL" dirty="0"/>
           </a:p>
@@ -3371,7 +3544,7 @@
           <a:p>
             <a:fld id="{7C33A2E9-0A77-094A-9B47-F5B3203FFC7E}" type="datetime1">
               <a:rPr lang="nl-BE" smtClean="0"/>
-              <a:t>22/04/18</a:t>
+              <a:t>23/04/2018</a:t>
             </a:fld>
             <a:endParaRPr lang="nl-NL"/>
           </a:p>
@@ -3492,7 +3665,7 @@
           <a:p>
             <a:fld id="{C156BC52-1BFF-C144-BE62-BE33B3494AF9}" type="datetime1">
               <a:rPr lang="nl-BE" smtClean="0"/>
-              <a:t>22/04/18</a:t>
+              <a:t>23/04/2018</a:t>
             </a:fld>
             <a:endParaRPr lang="nl-NL"/>
           </a:p>
@@ -3674,7 +3847,7 @@
           <a:p>
             <a:fld id="{9693ADE9-47D5-AE49-A386-11E44424E7D6}" type="datetime1">
               <a:rPr lang="nl-BE" smtClean="0"/>
-              <a:t>22/04/18</a:t>
+              <a:t>23/04/2018</a:t>
             </a:fld>
             <a:endParaRPr lang="nl-NL" dirty="0"/>
           </a:p>
@@ -3928,7 +4101,7 @@
           <a:p>
             <a:fld id="{0D8C732A-AE73-A647-B2E8-08C05710C7FE}" type="datetime1">
               <a:rPr lang="nl-BE" smtClean="0"/>
-              <a:t>22/04/18</a:t>
+              <a:t>23/04/2018</a:t>
             </a:fld>
             <a:endParaRPr lang="nl-NL" dirty="0"/>
           </a:p>
@@ -4569,7 +4742,7 @@
           <a:p>
             <a:fld id="{829FBD70-A903-FF43-B263-F47311AF0828}" type="datetime1">
               <a:rPr lang="nl-BE" smtClean="0"/>
-              <a:t>22/04/18</a:t>
+              <a:t>23/04/2018</a:t>
             </a:fld>
             <a:endParaRPr lang="nl-NL" dirty="0"/>
           </a:p>
@@ -5112,6 +5285,205 @@
           <p:cNvPr id="7" name="Tijdelijke aanduiding voor inhoud 6">
             <a:extLst>
               <a:ext uri="{FF2B5EF4-FFF2-40B4-BE49-F238E27FC236}">
+                <a16:creationId xmlns:a16="http://schemas.microsoft.com/office/drawing/2014/main" id="{1888395E-27EE-1F49-A3C7-07AEC8E5A811}"/>
+              </a:ext>
+            </a:extLst>
+          </p:cNvPr>
+          <p:cNvPicPr>
+            <a:picLocks noGrp="1" noChangeAspect="1"/>
+          </p:cNvPicPr>
+          <p:nvPr>
+            <p:ph idx="1"/>
+          </p:nvPr>
+        </p:nvPicPr>
+        <p:blipFill rotWithShape="1">
+          <a:blip r:embed="rId2"/>
+          <a:srcRect l="48157" t="1" r="23171" b="26166"/>
+          <a:stretch/>
+        </p:blipFill>
+        <p:spPr>
+          <a:xfrm>
+            <a:off x="0" y="0"/>
+            <a:ext cx="12192000" cy="6207603"/>
+          </a:xfrm>
+        </p:spPr>
+      </p:pic>
+      <p:sp>
+        <p:nvSpPr>
+          <p:cNvPr id="8" name="Rechthoek 7">
+            <a:extLst>
+              <a:ext uri="{FF2B5EF4-FFF2-40B4-BE49-F238E27FC236}">
+                <a16:creationId xmlns:a16="http://schemas.microsoft.com/office/drawing/2014/main" id="{60A39582-1AB4-3E46-8DF6-DB80FB00F7E8}"/>
+              </a:ext>
+            </a:extLst>
+          </p:cNvPr>
+          <p:cNvSpPr/>
+          <p:nvPr/>
+        </p:nvSpPr>
+        <p:spPr>
+          <a:xfrm>
+            <a:off x="0" y="0"/>
+            <a:ext cx="12192000" cy="1359036"/>
+          </a:xfrm>
+          <a:prstGeom prst="rect">
+            <a:avLst/>
+          </a:prstGeom>
+          <a:solidFill>
+            <a:srgbClr val="FFFFFF">
+              <a:alpha val="74902"/>
+            </a:srgbClr>
+          </a:solidFill>
+          <a:ln>
+            <a:noFill/>
+          </a:ln>
+        </p:spPr>
+        <p:style>
+          <a:lnRef idx="2">
+            <a:schemeClr val="accent1">
+              <a:shade val="50000"/>
+            </a:schemeClr>
+          </a:lnRef>
+          <a:fillRef idx="1">
+            <a:schemeClr val="accent1"/>
+          </a:fillRef>
+          <a:effectRef idx="0">
+            <a:schemeClr val="accent1"/>
+          </a:effectRef>
+          <a:fontRef idx="minor">
+            <a:schemeClr val="lt1"/>
+          </a:fontRef>
+        </p:style>
+        <p:txBody>
+          <a:bodyPr rtlCol="0" anchor="ctr"/>
+          <a:lstStyle/>
+          <a:p>
+            <a:pPr algn="ctr"/>
+            <a:endParaRPr lang="nl-BE"/>
+          </a:p>
+        </p:txBody>
+      </p:sp>
+      <p:sp>
+        <p:nvSpPr>
+          <p:cNvPr id="3" name="Tijdelijke aanduiding voor voettekst 2">
+            <a:extLst>
+              <a:ext uri="{FF2B5EF4-FFF2-40B4-BE49-F238E27FC236}">
+                <a16:creationId xmlns:a16="http://schemas.microsoft.com/office/drawing/2014/main" id="{2EA204B7-427D-654E-9C50-506E07AEF9DD}"/>
+              </a:ext>
+            </a:extLst>
+          </p:cNvPr>
+          <p:cNvSpPr>
+            <a:spLocks noGrp="1"/>
+          </p:cNvSpPr>
+          <p:nvPr>
+            <p:ph type="ftr" sz="quarter" idx="11"/>
+          </p:nvPr>
+        </p:nvSpPr>
+        <p:spPr/>
+        <p:txBody>
+          <a:bodyPr/>
+          <a:lstStyle/>
+          <a:p>
+            <a:r>
+              <a:rPr lang="nl-NL"/>
+              <a:t>Departement Computerwetenschappen</a:t>
+            </a:r>
+          </a:p>
+        </p:txBody>
+      </p:sp>
+      <p:sp>
+        <p:nvSpPr>
+          <p:cNvPr id="4" name="Tijdelijke aanduiding voor dianummer 3">
+            <a:extLst>
+              <a:ext uri="{FF2B5EF4-FFF2-40B4-BE49-F238E27FC236}">
+                <a16:creationId xmlns:a16="http://schemas.microsoft.com/office/drawing/2014/main" id="{70311718-F50D-7C41-9491-AC8C99DEADDC}"/>
+              </a:ext>
+            </a:extLst>
+          </p:cNvPr>
+          <p:cNvSpPr>
+            <a:spLocks noGrp="1"/>
+          </p:cNvSpPr>
+          <p:nvPr>
+            <p:ph type="sldNum" sz="quarter" idx="12"/>
+          </p:nvPr>
+        </p:nvSpPr>
+        <p:spPr/>
+        <p:txBody>
+          <a:bodyPr/>
+          <a:lstStyle/>
+          <a:p>
+            <a:fld id="{0A297500-7527-634B-90F4-69D0994C32B4}" type="slidenum">
+              <a:rPr lang="nl-NL" smtClean="0"/>
+              <a:t>10</a:t>
+            </a:fld>
+            <a:endParaRPr lang="nl-NL"/>
+          </a:p>
+        </p:txBody>
+      </p:sp>
+      <p:sp>
+        <p:nvSpPr>
+          <p:cNvPr id="5" name="Titel 4">
+            <a:extLst>
+              <a:ext uri="{FF2B5EF4-FFF2-40B4-BE49-F238E27FC236}">
+                <a16:creationId xmlns:a16="http://schemas.microsoft.com/office/drawing/2014/main" id="{7C7671DB-E2E5-BA4D-B55C-E84CFD47E784}"/>
+              </a:ext>
+            </a:extLst>
+          </p:cNvPr>
+          <p:cNvSpPr>
+            <a:spLocks noGrp="1"/>
+          </p:cNvSpPr>
+          <p:nvPr>
+            <p:ph type="title"/>
+          </p:nvPr>
+        </p:nvSpPr>
+        <p:spPr/>
+        <p:txBody>
+          <a:bodyPr>
+            <a:normAutofit/>
+          </a:bodyPr>
+          <a:lstStyle/>
+          <a:p>
+            <a:r>
+              <a:rPr lang="nl-BE" dirty="0"/>
+              <a:t>Important design decisions: wrappers</a:t>
+            </a:r>
+          </a:p>
+        </p:txBody>
+      </p:sp>
+    </p:spTree>
+    <p:extLst>
+      <p:ext uri="{BB962C8B-B14F-4D97-AF65-F5344CB8AC3E}">
+        <p14:creationId xmlns:p14="http://schemas.microsoft.com/office/powerpoint/2010/main" val="712094618"/>
+      </p:ext>
+    </p:extLst>
+  </p:cSld>
+  <p:clrMapOvr>
+    <a:masterClrMapping/>
+  </p:clrMapOvr>
+</p:sld>
+</file>
+
+<file path=ppt/slides/slide11.xml><?xml version="1.0" encoding="utf-8"?>
+<p:sld xmlns:a="http://schemas.openxmlformats.org/drawingml/2006/main" xmlns:r="http://schemas.openxmlformats.org/officeDocument/2006/relationships" xmlns:p="http://schemas.openxmlformats.org/presentationml/2006/main">
+  <p:cSld>
+    <p:spTree>
+      <p:nvGrpSpPr>
+        <p:cNvPr id="1" name=""/>
+        <p:cNvGrpSpPr/>
+        <p:nvPr/>
+      </p:nvGrpSpPr>
+      <p:grpSpPr>
+        <a:xfrm>
+          <a:off x="0" y="0"/>
+          <a:ext cx="0" cy="0"/>
+          <a:chOff x="0" y="0"/>
+          <a:chExt cx="0" cy="0"/>
+        </a:xfrm>
+      </p:grpSpPr>
+      <p:pic>
+        <p:nvPicPr>
+          <p:cNvPr id="7" name="Tijdelijke aanduiding voor inhoud 6">
+            <a:extLst>
+              <a:ext uri="{FF2B5EF4-FFF2-40B4-BE49-F238E27FC236}">
                 <a16:creationId xmlns:a16="http://schemas.microsoft.com/office/drawing/2014/main" id="{CC88F38C-1266-B24C-86AF-D985D2C43DA8}"/>
               </a:ext>
             </a:extLst>
@@ -5347,7 +5719,7 @@
           <a:p>
             <a:fld id="{0A297500-7527-634B-90F4-69D0994C32B4}" type="slidenum">
               <a:rPr lang="nl-NL" smtClean="0"/>
-              <a:t>10</a:t>
+              <a:t>11</a:t>
             </a:fld>
             <a:endParaRPr lang="nl-NL"/>
           </a:p>
@@ -5387,171 +5759,6 @@
     <p:extLst>
       <p:ext uri="{BB962C8B-B14F-4D97-AF65-F5344CB8AC3E}">
         <p14:creationId xmlns:p14="http://schemas.microsoft.com/office/powerpoint/2010/main" val="4189246922"/>
-      </p:ext>
-    </p:extLst>
-  </p:cSld>
-  <p:clrMapOvr>
-    <a:masterClrMapping/>
-  </p:clrMapOvr>
-</p:sld>
-</file>
-
-<file path=ppt/slides/slide11.xml><?xml version="1.0" encoding="utf-8"?>
-<p:sld xmlns:a="http://schemas.openxmlformats.org/drawingml/2006/main" xmlns:r="http://schemas.openxmlformats.org/officeDocument/2006/relationships" xmlns:p="http://schemas.openxmlformats.org/presentationml/2006/main">
-  <p:cSld>
-    <p:spTree>
-      <p:nvGrpSpPr>
-        <p:cNvPr id="1" name=""/>
-        <p:cNvGrpSpPr/>
-        <p:nvPr/>
-      </p:nvGrpSpPr>
-      <p:grpSpPr>
-        <a:xfrm>
-          <a:off x="0" y="0"/>
-          <a:ext cx="0" cy="0"/>
-          <a:chOff x="0" y="0"/>
-          <a:chExt cx="0" cy="0"/>
-        </a:xfrm>
-      </p:grpSpPr>
-      <p:sp>
-        <p:nvSpPr>
-          <p:cNvPr id="2" name="Tijdelijke aanduiding voor inhoud 1">
-            <a:extLst>
-              <a:ext uri="{FF2B5EF4-FFF2-40B4-BE49-F238E27FC236}">
-                <a16:creationId xmlns:a16="http://schemas.microsoft.com/office/drawing/2014/main" id="{340CC24A-B3E1-2643-905A-ED6D1A4C0F4B}"/>
-              </a:ext>
-            </a:extLst>
-          </p:cNvPr>
-          <p:cNvSpPr>
-            <a:spLocks noGrp="1"/>
-          </p:cNvSpPr>
-          <p:nvPr>
-            <p:ph idx="1"/>
-          </p:nvPr>
-        </p:nvSpPr>
-        <p:spPr/>
-        <p:txBody>
-          <a:bodyPr>
-            <a:normAutofit/>
-          </a:bodyPr>
-          <a:lstStyle/>
-          <a:p>
-            <a:r>
-              <a:rPr lang="nl-BE" sz="2800" dirty="0"/>
-              <a:t>resource type constraint in reservation</a:t>
-            </a:r>
-          </a:p>
-          <a:p>
-            <a:r>
-              <a:rPr lang="nl-BE" sz="2800" dirty="0"/>
-              <a:t>new task states</a:t>
-            </a:r>
-          </a:p>
-          <a:p>
-            <a:r>
-              <a:rPr lang="nl-BE" sz="2800" dirty="0"/>
-              <a:t>new wrappers</a:t>
-            </a:r>
-          </a:p>
-          <a:p>
-            <a:r>
-              <a:rPr lang="nl-BE" sz="2800" dirty="0"/>
-              <a:t>decorators of sections</a:t>
-            </a:r>
-          </a:p>
-        </p:txBody>
-      </p:sp>
-      <p:sp>
-        <p:nvSpPr>
-          <p:cNvPr id="3" name="Tijdelijke aanduiding voor voettekst 2">
-            <a:extLst>
-              <a:ext uri="{FF2B5EF4-FFF2-40B4-BE49-F238E27FC236}">
-                <a16:creationId xmlns:a16="http://schemas.microsoft.com/office/drawing/2014/main" id="{43A15E87-D146-D84D-9347-C9129F02F263}"/>
-              </a:ext>
-            </a:extLst>
-          </p:cNvPr>
-          <p:cNvSpPr>
-            <a:spLocks noGrp="1"/>
-          </p:cNvSpPr>
-          <p:nvPr>
-            <p:ph type="ftr" sz="quarter" idx="11"/>
-          </p:nvPr>
-        </p:nvSpPr>
-        <p:spPr/>
-        <p:txBody>
-          <a:bodyPr/>
-          <a:lstStyle/>
-          <a:p>
-            <a:r>
-              <a:rPr lang="nl-NL"/>
-              <a:t>Departement Computerwetenschappen</a:t>
-            </a:r>
-          </a:p>
-        </p:txBody>
-      </p:sp>
-      <p:sp>
-        <p:nvSpPr>
-          <p:cNvPr id="4" name="Tijdelijke aanduiding voor dianummer 3">
-            <a:extLst>
-              <a:ext uri="{FF2B5EF4-FFF2-40B4-BE49-F238E27FC236}">
-                <a16:creationId xmlns:a16="http://schemas.microsoft.com/office/drawing/2014/main" id="{3FE257A8-CC8E-BA4D-8E7D-A22D8C0C1FCF}"/>
-              </a:ext>
-            </a:extLst>
-          </p:cNvPr>
-          <p:cNvSpPr>
-            <a:spLocks noGrp="1"/>
-          </p:cNvSpPr>
-          <p:nvPr>
-            <p:ph type="sldNum" sz="quarter" idx="12"/>
-          </p:nvPr>
-        </p:nvSpPr>
-        <p:spPr/>
-        <p:txBody>
-          <a:bodyPr/>
-          <a:lstStyle/>
-          <a:p>
-            <a:fld id="{0A297500-7527-634B-90F4-69D0994C32B4}" type="slidenum">
-              <a:rPr lang="nl-NL" smtClean="0"/>
-              <a:t>11</a:t>
-            </a:fld>
-            <a:endParaRPr lang="nl-NL"/>
-          </a:p>
-        </p:txBody>
-      </p:sp>
-      <p:sp>
-        <p:nvSpPr>
-          <p:cNvPr id="5" name="Titel 4">
-            <a:extLst>
-              <a:ext uri="{FF2B5EF4-FFF2-40B4-BE49-F238E27FC236}">
-                <a16:creationId xmlns:a16="http://schemas.microsoft.com/office/drawing/2014/main" id="{F7616D6F-7807-B643-8C65-352B138E8ADA}"/>
-              </a:ext>
-            </a:extLst>
-          </p:cNvPr>
-          <p:cNvSpPr>
-            <a:spLocks noGrp="1"/>
-          </p:cNvSpPr>
-          <p:nvPr>
-            <p:ph type="title"/>
-          </p:nvPr>
-        </p:nvSpPr>
-        <p:spPr/>
-        <p:txBody>
-          <a:bodyPr>
-            <a:normAutofit/>
-          </a:bodyPr>
-          <a:lstStyle/>
-          <a:p>
-            <a:r>
-              <a:rPr lang="nl-BE" dirty="0"/>
-              <a:t>Extensibility of the system</a:t>
-            </a:r>
-          </a:p>
-        </p:txBody>
-      </p:sp>
-    </p:spTree>
-    <p:extLst>
-      <p:ext uri="{BB962C8B-B14F-4D97-AF65-F5344CB8AC3E}">
-        <p14:creationId xmlns:p14="http://schemas.microsoft.com/office/powerpoint/2010/main" val="640889323"/>
       </p:ext>
     </p:extLst>
   </p:cSld>
@@ -5583,6 +5790,171 @@
           <p:cNvPr id="2" name="Tijdelijke aanduiding voor inhoud 1">
             <a:extLst>
               <a:ext uri="{FF2B5EF4-FFF2-40B4-BE49-F238E27FC236}">
+                <a16:creationId xmlns:a16="http://schemas.microsoft.com/office/drawing/2014/main" id="{340CC24A-B3E1-2643-905A-ED6D1A4C0F4B}"/>
+              </a:ext>
+            </a:extLst>
+          </p:cNvPr>
+          <p:cNvSpPr>
+            <a:spLocks noGrp="1"/>
+          </p:cNvSpPr>
+          <p:nvPr>
+            <p:ph idx="1"/>
+          </p:nvPr>
+        </p:nvSpPr>
+        <p:spPr/>
+        <p:txBody>
+          <a:bodyPr>
+            <a:normAutofit/>
+          </a:bodyPr>
+          <a:lstStyle/>
+          <a:p>
+            <a:r>
+              <a:rPr lang="nl-BE" sz="2800" dirty="0"/>
+              <a:t>resource type constraint in reservation</a:t>
+            </a:r>
+          </a:p>
+          <a:p>
+            <a:r>
+              <a:rPr lang="nl-BE" sz="2800" dirty="0"/>
+              <a:t>new task states</a:t>
+            </a:r>
+          </a:p>
+          <a:p>
+            <a:r>
+              <a:rPr lang="nl-BE" sz="2800" dirty="0"/>
+              <a:t>new wrappers</a:t>
+            </a:r>
+          </a:p>
+          <a:p>
+            <a:r>
+              <a:rPr lang="nl-BE" sz="2800" dirty="0"/>
+              <a:t>decorators of sections</a:t>
+            </a:r>
+          </a:p>
+        </p:txBody>
+      </p:sp>
+      <p:sp>
+        <p:nvSpPr>
+          <p:cNvPr id="3" name="Tijdelijke aanduiding voor voettekst 2">
+            <a:extLst>
+              <a:ext uri="{FF2B5EF4-FFF2-40B4-BE49-F238E27FC236}">
+                <a16:creationId xmlns:a16="http://schemas.microsoft.com/office/drawing/2014/main" id="{43A15E87-D146-D84D-9347-C9129F02F263}"/>
+              </a:ext>
+            </a:extLst>
+          </p:cNvPr>
+          <p:cNvSpPr>
+            <a:spLocks noGrp="1"/>
+          </p:cNvSpPr>
+          <p:nvPr>
+            <p:ph type="ftr" sz="quarter" idx="11"/>
+          </p:nvPr>
+        </p:nvSpPr>
+        <p:spPr/>
+        <p:txBody>
+          <a:bodyPr/>
+          <a:lstStyle/>
+          <a:p>
+            <a:r>
+              <a:rPr lang="nl-NL"/>
+              <a:t>Departement Computerwetenschappen</a:t>
+            </a:r>
+          </a:p>
+        </p:txBody>
+      </p:sp>
+      <p:sp>
+        <p:nvSpPr>
+          <p:cNvPr id="4" name="Tijdelijke aanduiding voor dianummer 3">
+            <a:extLst>
+              <a:ext uri="{FF2B5EF4-FFF2-40B4-BE49-F238E27FC236}">
+                <a16:creationId xmlns:a16="http://schemas.microsoft.com/office/drawing/2014/main" id="{3FE257A8-CC8E-BA4D-8E7D-A22D8C0C1FCF}"/>
+              </a:ext>
+            </a:extLst>
+          </p:cNvPr>
+          <p:cNvSpPr>
+            <a:spLocks noGrp="1"/>
+          </p:cNvSpPr>
+          <p:nvPr>
+            <p:ph type="sldNum" sz="quarter" idx="12"/>
+          </p:nvPr>
+        </p:nvSpPr>
+        <p:spPr/>
+        <p:txBody>
+          <a:bodyPr/>
+          <a:lstStyle/>
+          <a:p>
+            <a:fld id="{0A297500-7527-634B-90F4-69D0994C32B4}" type="slidenum">
+              <a:rPr lang="nl-NL" smtClean="0"/>
+              <a:t>12</a:t>
+            </a:fld>
+            <a:endParaRPr lang="nl-NL"/>
+          </a:p>
+        </p:txBody>
+      </p:sp>
+      <p:sp>
+        <p:nvSpPr>
+          <p:cNvPr id="5" name="Titel 4">
+            <a:extLst>
+              <a:ext uri="{FF2B5EF4-FFF2-40B4-BE49-F238E27FC236}">
+                <a16:creationId xmlns:a16="http://schemas.microsoft.com/office/drawing/2014/main" id="{F7616D6F-7807-B643-8C65-352B138E8ADA}"/>
+              </a:ext>
+            </a:extLst>
+          </p:cNvPr>
+          <p:cNvSpPr>
+            <a:spLocks noGrp="1"/>
+          </p:cNvSpPr>
+          <p:nvPr>
+            <p:ph type="title"/>
+          </p:nvPr>
+        </p:nvSpPr>
+        <p:spPr/>
+        <p:txBody>
+          <a:bodyPr>
+            <a:normAutofit/>
+          </a:bodyPr>
+          <a:lstStyle/>
+          <a:p>
+            <a:r>
+              <a:rPr lang="nl-BE" dirty="0"/>
+              <a:t>Extensibility of the system</a:t>
+            </a:r>
+          </a:p>
+        </p:txBody>
+      </p:sp>
+    </p:spTree>
+    <p:extLst>
+      <p:ext uri="{BB962C8B-B14F-4D97-AF65-F5344CB8AC3E}">
+        <p14:creationId xmlns:p14="http://schemas.microsoft.com/office/powerpoint/2010/main" val="640889323"/>
+      </p:ext>
+    </p:extLst>
+  </p:cSld>
+  <p:clrMapOvr>
+    <a:masterClrMapping/>
+  </p:clrMapOvr>
+</p:sld>
+</file>
+
+<file path=ppt/slides/slide13.xml><?xml version="1.0" encoding="utf-8"?>
+<p:sld xmlns:a="http://schemas.openxmlformats.org/drawingml/2006/main" xmlns:r="http://schemas.openxmlformats.org/officeDocument/2006/relationships" xmlns:p="http://schemas.openxmlformats.org/presentationml/2006/main">
+  <p:cSld>
+    <p:spTree>
+      <p:nvGrpSpPr>
+        <p:cNvPr id="1" name=""/>
+        <p:cNvGrpSpPr/>
+        <p:nvPr/>
+      </p:nvGrpSpPr>
+      <p:grpSpPr>
+        <a:xfrm>
+          <a:off x="0" y="0"/>
+          <a:ext cx="0" cy="0"/>
+          <a:chOff x="0" y="0"/>
+          <a:chExt cx="0" cy="0"/>
+        </a:xfrm>
+      </p:grpSpPr>
+      <p:sp>
+        <p:nvSpPr>
+          <p:cNvPr id="2" name="Tijdelijke aanduiding voor inhoud 1">
+            <a:extLst>
+              <a:ext uri="{FF2B5EF4-FFF2-40B4-BE49-F238E27FC236}">
                 <a16:creationId xmlns:a16="http://schemas.microsoft.com/office/drawing/2014/main" id="{901AA5D4-71FB-E04A-BD00-1078CC14882D}"/>
               </a:ext>
             </a:extLst>
@@ -5671,7 +6043,7 @@
           <a:p>
             <a:fld id="{0A297500-7527-634B-90F4-69D0994C32B4}" type="slidenum">
               <a:rPr lang="nl-NL" smtClean="0"/>
-              <a:t>12</a:t>
+              <a:t>13</a:t>
             </a:fld>
             <a:endParaRPr lang="nl-NL"/>
           </a:p>
@@ -6216,7 +6588,7 @@
 </p:sld>
 </file>
 
-<file path=ppt/slides/slide13.xml><?xml version="1.0" encoding="utf-8"?>
+<file path=ppt/slides/slide14.xml><?xml version="1.0" encoding="utf-8"?>
 <p:sld xmlns:a="http://schemas.openxmlformats.org/drawingml/2006/main" xmlns:r="http://schemas.openxmlformats.org/officeDocument/2006/relationships" xmlns:p="http://schemas.openxmlformats.org/presentationml/2006/main">
   <p:cSld>
     <p:bg>
@@ -6290,7 +6662,7 @@
           <a:p>
             <a:fld id="{0A297500-7527-634B-90F4-69D0994C32B4}" type="slidenum">
               <a:rPr lang="nl-NL" smtClean="0"/>
-              <a:t>13</a:t>
+              <a:t>14</a:t>
             </a:fld>
             <a:endParaRPr lang="nl-NL"/>
           </a:p>
@@ -11086,7 +11458,7 @@
 </p:sld>
 </file>
 
-<file path=ppt/slides/slide14.xml><?xml version="1.0" encoding="utf-8"?>
+<file path=ppt/slides/slide15.xml><?xml version="1.0" encoding="utf-8"?>
 <p:sld xmlns:a="http://schemas.openxmlformats.org/drawingml/2006/main" xmlns:r="http://schemas.openxmlformats.org/officeDocument/2006/relationships" xmlns:p="http://schemas.openxmlformats.org/presentationml/2006/main">
   <p:cSld>
     <p:spTree>
@@ -11572,7 +11944,7 @@
           <a:p>
             <a:fld id="{0A297500-7527-634B-90F4-69D0994C32B4}" type="slidenum">
               <a:rPr lang="nl-NL" smtClean="0"/>
-              <a:t>14</a:t>
+              <a:t>15</a:t>
             </a:fld>
             <a:endParaRPr lang="nl-NL"/>
           </a:p>
@@ -12384,7 +12756,7 @@
           </p:nvPr>
         </p:nvPicPr>
         <p:blipFill rotWithShape="1">
-          <a:blip r:embed="rId2"/>
+          <a:blip r:embed="rId3"/>
           <a:srcRect l="15571" t="35423" r="58574" b="905"/>
           <a:stretch/>
         </p:blipFill>
@@ -12552,6 +12924,226 @@
 </file>
 
 <file path=ppt/slides/slide8.xml><?xml version="1.0" encoding="utf-8"?>
+<p:sld xmlns:a="http://schemas.openxmlformats.org/drawingml/2006/main" xmlns:r="http://schemas.openxmlformats.org/officeDocument/2006/relationships" xmlns:p="http://schemas.openxmlformats.org/presentationml/2006/main">
+  <p:cSld>
+    <p:spTree>
+      <p:nvGrpSpPr>
+        <p:cNvPr id="1" name=""/>
+        <p:cNvGrpSpPr/>
+        <p:nvPr/>
+      </p:nvGrpSpPr>
+      <p:grpSpPr>
+        <a:xfrm>
+          <a:off x="0" y="0"/>
+          <a:ext cx="0" cy="0"/>
+          <a:chOff x="0" y="0"/>
+          <a:chExt cx="0" cy="0"/>
+        </a:xfrm>
+      </p:grpSpPr>
+      <p:sp>
+        <p:nvSpPr>
+          <p:cNvPr id="8" name="Rechthoek 7">
+            <a:extLst>
+              <a:ext uri="{FF2B5EF4-FFF2-40B4-BE49-F238E27FC236}">
+                <a16:creationId xmlns:a16="http://schemas.microsoft.com/office/drawing/2014/main" id="{74B1402F-D3BF-D648-9831-6AB7F8686A90}"/>
+              </a:ext>
+            </a:extLst>
+          </p:cNvPr>
+          <p:cNvSpPr/>
+          <p:nvPr/>
+        </p:nvSpPr>
+        <p:spPr>
+          <a:xfrm>
+            <a:off x="0" y="0"/>
+            <a:ext cx="12192000" cy="1359036"/>
+          </a:xfrm>
+          <a:prstGeom prst="rect">
+            <a:avLst/>
+          </a:prstGeom>
+          <a:solidFill>
+            <a:srgbClr val="FFFFFF">
+              <a:alpha val="74902"/>
+            </a:srgbClr>
+          </a:solidFill>
+          <a:ln>
+            <a:noFill/>
+          </a:ln>
+        </p:spPr>
+        <p:style>
+          <a:lnRef idx="2">
+            <a:schemeClr val="accent1">
+              <a:shade val="50000"/>
+            </a:schemeClr>
+          </a:lnRef>
+          <a:fillRef idx="1">
+            <a:schemeClr val="accent1"/>
+          </a:fillRef>
+          <a:effectRef idx="0">
+            <a:schemeClr val="accent1"/>
+          </a:effectRef>
+          <a:fontRef idx="minor">
+            <a:schemeClr val="lt1"/>
+          </a:fontRef>
+        </p:style>
+        <p:txBody>
+          <a:bodyPr rtlCol="0" anchor="ctr"/>
+          <a:lstStyle/>
+          <a:p>
+            <a:pPr algn="ctr"/>
+            <a:endParaRPr lang="nl-BE"/>
+          </a:p>
+        </p:txBody>
+      </p:sp>
+      <p:sp>
+        <p:nvSpPr>
+          <p:cNvPr id="3" name="Tijdelijke aanduiding voor voettekst 2">
+            <a:extLst>
+              <a:ext uri="{FF2B5EF4-FFF2-40B4-BE49-F238E27FC236}">
+                <a16:creationId xmlns:a16="http://schemas.microsoft.com/office/drawing/2014/main" id="{2EA204B7-427D-654E-9C50-506E07AEF9DD}"/>
+              </a:ext>
+            </a:extLst>
+          </p:cNvPr>
+          <p:cNvSpPr>
+            <a:spLocks noGrp="1"/>
+          </p:cNvSpPr>
+          <p:nvPr>
+            <p:ph type="ftr" sz="quarter" idx="11"/>
+          </p:nvPr>
+        </p:nvSpPr>
+        <p:spPr/>
+        <p:txBody>
+          <a:bodyPr/>
+          <a:lstStyle/>
+          <a:p>
+            <a:r>
+              <a:rPr lang="nl-NL"/>
+              <a:t>Departement Computerwetenschappen</a:t>
+            </a:r>
+          </a:p>
+        </p:txBody>
+      </p:sp>
+      <p:sp>
+        <p:nvSpPr>
+          <p:cNvPr id="4" name="Tijdelijke aanduiding voor dianummer 3">
+            <a:extLst>
+              <a:ext uri="{FF2B5EF4-FFF2-40B4-BE49-F238E27FC236}">
+                <a16:creationId xmlns:a16="http://schemas.microsoft.com/office/drawing/2014/main" id="{70311718-F50D-7C41-9491-AC8C99DEADDC}"/>
+              </a:ext>
+            </a:extLst>
+          </p:cNvPr>
+          <p:cNvSpPr>
+            <a:spLocks noGrp="1"/>
+          </p:cNvSpPr>
+          <p:nvPr>
+            <p:ph type="sldNum" sz="quarter" idx="12"/>
+          </p:nvPr>
+        </p:nvSpPr>
+        <p:spPr/>
+        <p:txBody>
+          <a:bodyPr/>
+          <a:lstStyle/>
+          <a:p>
+            <a:fld id="{0A297500-7527-634B-90F4-69D0994C32B4}" type="slidenum">
+              <a:rPr lang="nl-NL" smtClean="0"/>
+              <a:t>8</a:t>
+            </a:fld>
+            <a:endParaRPr lang="nl-NL"/>
+          </a:p>
+        </p:txBody>
+      </p:sp>
+      <p:sp>
+        <p:nvSpPr>
+          <p:cNvPr id="5" name="Titel 4">
+            <a:extLst>
+              <a:ext uri="{FF2B5EF4-FFF2-40B4-BE49-F238E27FC236}">
+                <a16:creationId xmlns:a16="http://schemas.microsoft.com/office/drawing/2014/main" id="{7C7671DB-E2E5-BA4D-B55C-E84CFD47E784}"/>
+              </a:ext>
+            </a:extLst>
+          </p:cNvPr>
+          <p:cNvSpPr>
+            <a:spLocks noGrp="1"/>
+          </p:cNvSpPr>
+          <p:nvPr>
+            <p:ph type="title"/>
+          </p:nvPr>
+        </p:nvSpPr>
+        <p:spPr>
+          <a:noFill/>
+        </p:spPr>
+        <p:txBody>
+          <a:bodyPr>
+            <a:normAutofit/>
+          </a:bodyPr>
+          <a:lstStyle/>
+          <a:p>
+            <a:r>
+              <a:rPr lang="nl-BE" dirty="0"/>
+              <a:t>Important design decisions: state pattern</a:t>
+            </a:r>
+          </a:p>
+        </p:txBody>
+      </p:sp>
+      <p:pic>
+        <p:nvPicPr>
+          <p:cNvPr id="1026" name="Picture 2" descr="https://www.planttext.com/plantuml/img/hLH1RiCW4Bpp2kHJAiKVYAegKfAUMgbg4lLCxQsBWi62TTJdbyLsMh3TvD2B3MXsPcS7iNOeBBQrOWmbAk3PqG7V2F_9-R4f1G8_27VYUnJOEd-uqoM7BoXQb4PdZEKFF5jjZ4Phb0ARhJZeaafs0sX1kpShcWRiaZ-PGgYjvpt86aRRFLgfgpic2fHd4e-u6OksF6ZxXkspqA8AuXNWfhKMDDBv8cBwZKoOxlDyH4KxLi8SmLGlvBIRm8_xMmmlWrZKRA0YaR28wBt75oNqOW8_m3i_FPx0iP4fSa9vi7HRE8CoFgn7Q-eWD6ekO1EnllxT60MfNeUVCqDt2svsGxzGSTtI1TgdeQiq748i-Iiuqze2-coJa4QD9PI3Q78SkNI0HBLl_3I7nOJXUKT_aV_pVPYKwjFza5gwpsaBNSZpkL-PJtSBBi0RfpCw6uLpjIfwODR-Uj1p-0q0">
+            <a:extLst>
+              <a:ext uri="{FF2B5EF4-FFF2-40B4-BE49-F238E27FC236}">
+                <a16:creationId xmlns:a16="http://schemas.microsoft.com/office/drawing/2014/main" id="{FAA97178-E60E-4C3E-A655-C738EF739E0E}"/>
+              </a:ext>
+            </a:extLst>
+          </p:cNvPr>
+          <p:cNvPicPr>
+            <a:picLocks noChangeAspect="1" noChangeArrowheads="1"/>
+          </p:cNvPicPr>
+          <p:nvPr/>
+        </p:nvPicPr>
+        <p:blipFill>
+          <a:blip r:embed="rId3">
+            <a:extLst>
+              <a:ext uri="{28A0092B-C50C-407E-A947-70E740481C1C}">
+                <a14:useLocalDpi xmlns:a14="http://schemas.microsoft.com/office/drawing/2010/main" val="0"/>
+              </a:ext>
+            </a:extLst>
+          </a:blip>
+          <a:srcRect/>
+          <a:stretch>
+            <a:fillRect/>
+          </a:stretch>
+        </p:blipFill>
+        <p:spPr bwMode="auto">
+          <a:xfrm>
+            <a:off x="1568777" y="1130845"/>
+            <a:ext cx="9054446" cy="4990555"/>
+          </a:xfrm>
+          <a:prstGeom prst="rect">
+            <a:avLst/>
+          </a:prstGeom>
+          <a:noFill/>
+          <a:extLst>
+            <a:ext uri="{909E8E84-426E-40DD-AFC4-6F175D3DCCD1}">
+              <a14:hiddenFill xmlns:a14="http://schemas.microsoft.com/office/drawing/2010/main">
+                <a:solidFill>
+                  <a:srgbClr val="FFFFFF"/>
+                </a:solidFill>
+              </a14:hiddenFill>
+            </a:ext>
+          </a:extLst>
+        </p:spPr>
+      </p:pic>
+    </p:spTree>
+    <p:extLst>
+      <p:ext uri="{BB962C8B-B14F-4D97-AF65-F5344CB8AC3E}">
+        <p14:creationId xmlns:p14="http://schemas.microsoft.com/office/powerpoint/2010/main" val="703384287"/>
+      </p:ext>
+    </p:extLst>
+  </p:cSld>
+  <p:clrMapOvr>
+    <a:masterClrMapping/>
+  </p:clrMapOvr>
+</p:sld>
+</file>
+
+<file path=ppt/slides/slide9.xml><?xml version="1.0" encoding="utf-8"?>
 <p:sld xmlns:a="http://schemas.openxmlformats.org/drawingml/2006/main" xmlns:r="http://schemas.openxmlformats.org/officeDocument/2006/relationships" xmlns:p="http://schemas.openxmlformats.org/presentationml/2006/main">
   <p:cSld>
     <p:spTree>
@@ -12701,7 +13293,7 @@
           <a:p>
             <a:fld id="{0A297500-7527-634B-90F4-69D0994C32B4}" type="slidenum">
               <a:rPr lang="nl-NL" smtClean="0"/>
-              <a:t>8</a:t>
+              <a:t>9</a:t>
             </a:fld>
             <a:endParaRPr lang="nl-NL"/>
           </a:p>
@@ -12741,205 +13333,6 @@
     <p:extLst>
       <p:ext uri="{BB962C8B-B14F-4D97-AF65-F5344CB8AC3E}">
         <p14:creationId xmlns:p14="http://schemas.microsoft.com/office/powerpoint/2010/main" val="3596292370"/>
-      </p:ext>
-    </p:extLst>
-  </p:cSld>
-  <p:clrMapOvr>
-    <a:masterClrMapping/>
-  </p:clrMapOvr>
-</p:sld>
-</file>
-
-<file path=ppt/slides/slide9.xml><?xml version="1.0" encoding="utf-8"?>
-<p:sld xmlns:a="http://schemas.openxmlformats.org/drawingml/2006/main" xmlns:r="http://schemas.openxmlformats.org/officeDocument/2006/relationships" xmlns:p="http://schemas.openxmlformats.org/presentationml/2006/main">
-  <p:cSld>
-    <p:spTree>
-      <p:nvGrpSpPr>
-        <p:cNvPr id="1" name=""/>
-        <p:cNvGrpSpPr/>
-        <p:nvPr/>
-      </p:nvGrpSpPr>
-      <p:grpSpPr>
-        <a:xfrm>
-          <a:off x="0" y="0"/>
-          <a:ext cx="0" cy="0"/>
-          <a:chOff x="0" y="0"/>
-          <a:chExt cx="0" cy="0"/>
-        </a:xfrm>
-      </p:grpSpPr>
-      <p:pic>
-        <p:nvPicPr>
-          <p:cNvPr id="7" name="Tijdelijke aanduiding voor inhoud 6">
-            <a:extLst>
-              <a:ext uri="{FF2B5EF4-FFF2-40B4-BE49-F238E27FC236}">
-                <a16:creationId xmlns:a16="http://schemas.microsoft.com/office/drawing/2014/main" id="{1888395E-27EE-1F49-A3C7-07AEC8E5A811}"/>
-              </a:ext>
-            </a:extLst>
-          </p:cNvPr>
-          <p:cNvPicPr>
-            <a:picLocks noGrp="1" noChangeAspect="1"/>
-          </p:cNvPicPr>
-          <p:nvPr>
-            <p:ph idx="1"/>
-          </p:nvPr>
-        </p:nvPicPr>
-        <p:blipFill rotWithShape="1">
-          <a:blip r:embed="rId2"/>
-          <a:srcRect l="48157" t="1" r="23171" b="26166"/>
-          <a:stretch/>
-        </p:blipFill>
-        <p:spPr>
-          <a:xfrm>
-            <a:off x="0" y="0"/>
-            <a:ext cx="12192000" cy="6207603"/>
-          </a:xfrm>
-        </p:spPr>
-      </p:pic>
-      <p:sp>
-        <p:nvSpPr>
-          <p:cNvPr id="8" name="Rechthoek 7">
-            <a:extLst>
-              <a:ext uri="{FF2B5EF4-FFF2-40B4-BE49-F238E27FC236}">
-                <a16:creationId xmlns:a16="http://schemas.microsoft.com/office/drawing/2014/main" id="{60A39582-1AB4-3E46-8DF6-DB80FB00F7E8}"/>
-              </a:ext>
-            </a:extLst>
-          </p:cNvPr>
-          <p:cNvSpPr/>
-          <p:nvPr/>
-        </p:nvSpPr>
-        <p:spPr>
-          <a:xfrm>
-            <a:off x="0" y="0"/>
-            <a:ext cx="12192000" cy="1359036"/>
-          </a:xfrm>
-          <a:prstGeom prst="rect">
-            <a:avLst/>
-          </a:prstGeom>
-          <a:solidFill>
-            <a:srgbClr val="FFFFFF">
-              <a:alpha val="74902"/>
-            </a:srgbClr>
-          </a:solidFill>
-          <a:ln>
-            <a:noFill/>
-          </a:ln>
-        </p:spPr>
-        <p:style>
-          <a:lnRef idx="2">
-            <a:schemeClr val="accent1">
-              <a:shade val="50000"/>
-            </a:schemeClr>
-          </a:lnRef>
-          <a:fillRef idx="1">
-            <a:schemeClr val="accent1"/>
-          </a:fillRef>
-          <a:effectRef idx="0">
-            <a:schemeClr val="accent1"/>
-          </a:effectRef>
-          <a:fontRef idx="minor">
-            <a:schemeClr val="lt1"/>
-          </a:fontRef>
-        </p:style>
-        <p:txBody>
-          <a:bodyPr rtlCol="0" anchor="ctr"/>
-          <a:lstStyle/>
-          <a:p>
-            <a:pPr algn="ctr"/>
-            <a:endParaRPr lang="nl-BE"/>
-          </a:p>
-        </p:txBody>
-      </p:sp>
-      <p:sp>
-        <p:nvSpPr>
-          <p:cNvPr id="3" name="Tijdelijke aanduiding voor voettekst 2">
-            <a:extLst>
-              <a:ext uri="{FF2B5EF4-FFF2-40B4-BE49-F238E27FC236}">
-                <a16:creationId xmlns:a16="http://schemas.microsoft.com/office/drawing/2014/main" id="{2EA204B7-427D-654E-9C50-506E07AEF9DD}"/>
-              </a:ext>
-            </a:extLst>
-          </p:cNvPr>
-          <p:cNvSpPr>
-            <a:spLocks noGrp="1"/>
-          </p:cNvSpPr>
-          <p:nvPr>
-            <p:ph type="ftr" sz="quarter" idx="11"/>
-          </p:nvPr>
-        </p:nvSpPr>
-        <p:spPr/>
-        <p:txBody>
-          <a:bodyPr/>
-          <a:lstStyle/>
-          <a:p>
-            <a:r>
-              <a:rPr lang="nl-NL"/>
-              <a:t>Departement Computerwetenschappen</a:t>
-            </a:r>
-          </a:p>
-        </p:txBody>
-      </p:sp>
-      <p:sp>
-        <p:nvSpPr>
-          <p:cNvPr id="4" name="Tijdelijke aanduiding voor dianummer 3">
-            <a:extLst>
-              <a:ext uri="{FF2B5EF4-FFF2-40B4-BE49-F238E27FC236}">
-                <a16:creationId xmlns:a16="http://schemas.microsoft.com/office/drawing/2014/main" id="{70311718-F50D-7C41-9491-AC8C99DEADDC}"/>
-              </a:ext>
-            </a:extLst>
-          </p:cNvPr>
-          <p:cNvSpPr>
-            <a:spLocks noGrp="1"/>
-          </p:cNvSpPr>
-          <p:nvPr>
-            <p:ph type="sldNum" sz="quarter" idx="12"/>
-          </p:nvPr>
-        </p:nvSpPr>
-        <p:spPr/>
-        <p:txBody>
-          <a:bodyPr/>
-          <a:lstStyle/>
-          <a:p>
-            <a:fld id="{0A297500-7527-634B-90F4-69D0994C32B4}" type="slidenum">
-              <a:rPr lang="nl-NL" smtClean="0"/>
-              <a:t>9</a:t>
-            </a:fld>
-            <a:endParaRPr lang="nl-NL"/>
-          </a:p>
-        </p:txBody>
-      </p:sp>
-      <p:sp>
-        <p:nvSpPr>
-          <p:cNvPr id="5" name="Titel 4">
-            <a:extLst>
-              <a:ext uri="{FF2B5EF4-FFF2-40B4-BE49-F238E27FC236}">
-                <a16:creationId xmlns:a16="http://schemas.microsoft.com/office/drawing/2014/main" id="{7C7671DB-E2E5-BA4D-B55C-E84CFD47E784}"/>
-              </a:ext>
-            </a:extLst>
-          </p:cNvPr>
-          <p:cNvSpPr>
-            <a:spLocks noGrp="1"/>
-          </p:cNvSpPr>
-          <p:nvPr>
-            <p:ph type="title"/>
-          </p:nvPr>
-        </p:nvSpPr>
-        <p:spPr/>
-        <p:txBody>
-          <a:bodyPr>
-            <a:normAutofit/>
-          </a:bodyPr>
-          <a:lstStyle/>
-          <a:p>
-            <a:r>
-              <a:rPr lang="nl-BE" dirty="0"/>
-              <a:t>Important design decisions: wrappers</a:t>
-            </a:r>
-          </a:p>
-        </p:txBody>
-      </p:sp>
-    </p:spTree>
-    <p:extLst>
-      <p:ext uri="{BB962C8B-B14F-4D97-AF65-F5344CB8AC3E}">
-        <p14:creationId xmlns:p14="http://schemas.microsoft.com/office/powerpoint/2010/main" val="712094618"/>
       </p:ext>
     </p:extLst>
   </p:cSld>
